--- a/week-1/slides/ppt/Introduction Slides.pptx
+++ b/week-1/slides/ppt/Introduction Slides.pptx
@@ -28,33 +28,35 @@
       <p:font typeface="DM Sans" pitchFamily="2" charset="77"/>
       <p:regular r:id="rId15"/>
       <p:bold r:id="rId16"/>
+      <p:italic r:id="rId17"/>
+      <p:boldItalic r:id="rId18"/>
     </p:embeddedFont>
     <p:embeddedFont>
       <p:font typeface="Montserrat" pitchFamily="2" charset="77"/>
-      <p:regular r:id="rId17"/>
-      <p:bold r:id="rId18"/>
-      <p:italic r:id="rId19"/>
-      <p:boldItalic r:id="rId20"/>
+      <p:regular r:id="rId19"/>
+      <p:bold r:id="rId20"/>
+      <p:italic r:id="rId21"/>
+      <p:boldItalic r:id="rId22"/>
     </p:embeddedFont>
     <p:embeddedFont>
       <p:font typeface="Montserrat ExtraBold" pitchFamily="2" charset="77"/>
-      <p:bold r:id="rId21"/>
-      <p:italic r:id="rId22"/>
-      <p:boldItalic r:id="rId23"/>
+      <p:bold r:id="rId23"/>
+      <p:italic r:id="rId24"/>
+      <p:boldItalic r:id="rId25"/>
     </p:embeddedFont>
     <p:embeddedFont>
       <p:font typeface="Montserrat Medium" pitchFamily="2" charset="77"/>
-      <p:regular r:id="rId24"/>
-      <p:bold r:id="rId25"/>
-      <p:italic r:id="rId26"/>
-      <p:boldItalic r:id="rId27"/>
+      <p:regular r:id="rId26"/>
+      <p:bold r:id="rId27"/>
+      <p:italic r:id="rId28"/>
+      <p:boldItalic r:id="rId29"/>
     </p:embeddedFont>
     <p:embeddedFont>
       <p:font typeface="Montserrat SemiBold" pitchFamily="2" charset="77"/>
-      <p:regular r:id="rId28"/>
-      <p:bold r:id="rId29"/>
-      <p:italic r:id="rId30"/>
-      <p:boldItalic r:id="rId31"/>
+      <p:regular r:id="rId30"/>
+      <p:bold r:id="rId31"/>
+      <p:italic r:id="rId32"/>
+      <p:boldItalic r:id="rId33"/>
     </p:embeddedFont>
   </p:embeddedFontLst>
   <p:defaultTextStyle>
@@ -11062,7 +11064,7 @@
                   <a:schemeClr val="accent1"/>
                 </a:solidFill>
               </a:rPr>
-              <a:t>Chris Carter</a:t>
+              <a:t>Topher Carter</a:t>
             </a:r>
             <a:endParaRPr b="1" dirty="0">
               <a:solidFill>
